--- a/writeup/yu-slides.pptx
+++ b/writeup/yu-slides.pptx
@@ -4186,19 +4186,11 @@
             <a:pPr algn="ctr"/>
             <a:r>
               <a:rPr lang="en-US" dirty="0" smtClean="0"/>
-              <a:t>Pipeline for Improving Accuracy of Hand Gesture</a:t>
+              <a:t>Pipeline for Improving Accuracy of Hand</a:t>
             </a:r>
             <a:r>
               <a:rPr lang="en-US" dirty="0" smtClean="0"/>
-              <a:t> </a:t>
-            </a:r>
-            <a:r>
-              <a:rPr lang="en-US" dirty="0" smtClean="0"/>
-              <a:t>Detection</a:t>
-            </a:r>
-            <a:r>
-              <a:rPr lang="en-US" dirty="0" smtClean="0"/>
-              <a:t/>
+              <a:t> Tracking</a:t>
             </a:r>
             <a:br>
               <a:rPr lang="en-US" dirty="0" smtClean="0"/>
@@ -4288,35 +4280,7 @@
                 <a:latin typeface="Trebuchet MS"/>
                 <a:cs typeface="Trebuchet MS"/>
               </a:rPr>
-              <a:t>-like hand gesture</a:t>
-            </a:r>
-            <a:r>
-              <a:rPr lang="en-US" dirty="0" smtClean="0">
-                <a:latin typeface="Trebuchet MS"/>
-                <a:cs typeface="Trebuchet MS"/>
-              </a:rPr>
-              <a:t> </a:t>
-            </a:r>
-            <a:r>
-              <a:rPr lang="en-US" dirty="0" smtClean="0">
-                <a:latin typeface="Trebuchet MS"/>
-                <a:cs typeface="Trebuchet MS"/>
-              </a:rPr>
-              <a:t>detection</a:t>
-            </a:r>
-            <a:r>
-              <a:rPr lang="en-US" dirty="0" smtClean="0">
-                <a:latin typeface="Trebuchet MS"/>
-                <a:cs typeface="Trebuchet MS"/>
-              </a:rPr>
-              <a:t> </a:t>
-            </a:r>
-            <a:r>
-              <a:rPr lang="en-US" dirty="0" smtClean="0">
-                <a:latin typeface="Trebuchet MS"/>
-                <a:cs typeface="Trebuchet MS"/>
-              </a:rPr>
-              <a:t>capabilities using a </a:t>
+              <a:t>-like hand gesture detection capabilities using a </a:t>
             </a:r>
             <a:r>
               <a:rPr lang="en-US" dirty="0" smtClean="0">
@@ -4392,7 +4356,27 @@
                 <a:latin typeface="Trebuchet MS"/>
                 <a:cs typeface="Trebuchet MS"/>
               </a:rPr>
-              <a:t>how can we improve the accuracy of the detection</a:t>
+              <a:t>how can we improve the accuracy of the</a:t>
+            </a:r>
+            <a:r>
+              <a:rPr lang="en-US" dirty="0" smtClean="0">
+                <a:solidFill>
+                  <a:srgbClr val="FF0000"/>
+                </a:solidFill>
+                <a:latin typeface="Trebuchet MS"/>
+                <a:cs typeface="Trebuchet MS"/>
+              </a:rPr>
+              <a:t> </a:t>
+            </a:r>
+            <a:r>
+              <a:rPr lang="en-US" dirty="0" smtClean="0">
+                <a:solidFill>
+                  <a:srgbClr val="FF0000"/>
+                </a:solidFill>
+                <a:latin typeface="Trebuchet MS"/>
+                <a:cs typeface="Trebuchet MS"/>
+              </a:rPr>
+              <a:t>tracking</a:t>
             </a:r>
             <a:r>
               <a:rPr lang="en-US" dirty="0" smtClean="0">
@@ -6120,7 +6104,7 @@
         <p:spPr>
           <a:xfrm>
             <a:off x="236900" y="6257837"/>
-            <a:ext cx="2974592" cy="584776"/>
+            <a:ext cx="2653892" cy="584776"/>
           </a:xfrm>
           <a:prstGeom prst="rect">
             <a:avLst/>
@@ -6138,8 +6122,33 @@
                 <a:latin typeface="Trebuchet MS"/>
                 <a:cs typeface="Trebuchet MS"/>
               </a:rPr>
-              <a:t>5. Hand Detection and Optical </a:t>
-            </a:r>
+              <a:t>5. Hand </a:t>
+            </a:r>
+            <a:r>
+              <a:rPr lang="en-US" sz="1600" dirty="0" smtClean="0">
+                <a:latin typeface="Trebuchet MS"/>
+                <a:cs typeface="Trebuchet MS"/>
+              </a:rPr>
+              <a:t>Detection</a:t>
+            </a:r>
+            <a:r>
+              <a:rPr lang="en-US" sz="1600" dirty="0" smtClean="0">
+                <a:latin typeface="Trebuchet MS"/>
+                <a:cs typeface="Trebuchet MS"/>
+              </a:rPr>
+              <a:t>; </a:t>
+            </a:r>
+            <a:r>
+              <a:rPr lang="en-US" sz="1600" dirty="0" smtClean="0">
+                <a:latin typeface="Trebuchet MS"/>
+                <a:cs typeface="Trebuchet MS"/>
+              </a:rPr>
+              <a:t>Optical </a:t>
+            </a:r>
+            <a:endParaRPr lang="en-US" sz="1600" dirty="0" smtClean="0">
+              <a:latin typeface="Trebuchet MS"/>
+              <a:cs typeface="Trebuchet MS"/>
+            </a:endParaRPr>
           </a:p>
           <a:p>
             <a:r>
@@ -6676,7 +6685,7 @@
         <p:spPr>
           <a:xfrm>
             <a:off x="236900" y="6257837"/>
-            <a:ext cx="2974592" cy="584776"/>
+            <a:ext cx="2653892" cy="584776"/>
           </a:xfrm>
           <a:prstGeom prst="rect">
             <a:avLst/>
@@ -6694,8 +6703,33 @@
                 <a:latin typeface="Trebuchet MS"/>
                 <a:cs typeface="Trebuchet MS"/>
               </a:rPr>
-              <a:t>5. Hand Detection and Optical </a:t>
-            </a:r>
+              <a:t>5. Hand </a:t>
+            </a:r>
+            <a:r>
+              <a:rPr lang="en-US" sz="1600" dirty="0" smtClean="0">
+                <a:latin typeface="Trebuchet MS"/>
+                <a:cs typeface="Trebuchet MS"/>
+              </a:rPr>
+              <a:t>Detection</a:t>
+            </a:r>
+            <a:r>
+              <a:rPr lang="en-US" sz="1600" dirty="0" smtClean="0">
+                <a:latin typeface="Trebuchet MS"/>
+                <a:cs typeface="Trebuchet MS"/>
+              </a:rPr>
+              <a:t>; </a:t>
+            </a:r>
+            <a:r>
+              <a:rPr lang="en-US" sz="1600" dirty="0" smtClean="0">
+                <a:latin typeface="Trebuchet MS"/>
+                <a:cs typeface="Trebuchet MS"/>
+              </a:rPr>
+              <a:t>Optical </a:t>
+            </a:r>
+            <a:endParaRPr lang="en-US" sz="1600" dirty="0" smtClean="0">
+              <a:latin typeface="Trebuchet MS"/>
+              <a:cs typeface="Trebuchet MS"/>
+            </a:endParaRPr>
           </a:p>
           <a:p>
             <a:r>
